--- a/Equip_B/results/Marketing/S2_marketing_Gorka.pptx
+++ b/Equip_B/results/Marketing/S2_marketing_Gorka.pptx
@@ -5,10 +5,10 @@
     <p:sldMasterId id="2147483648" r:id="rId4"/>
   </p:sldMasterIdLst>
   <p:notesMasterIdLst>
-    <p:notesMasterId r:id="rId12"/>
+    <p:notesMasterId r:id="rId14"/>
   </p:notesMasterIdLst>
   <p:handoutMasterIdLst>
-    <p:handoutMasterId r:id="rId13"/>
+    <p:handoutMasterId r:id="rId15"/>
   </p:handoutMasterIdLst>
   <p:sldIdLst>
     <p:sldId id="324" r:id="rId5"/>
@@ -16,8 +16,10 @@
     <p:sldId id="347" r:id="rId7"/>
     <p:sldId id="355" r:id="rId8"/>
     <p:sldId id="354" r:id="rId9"/>
-    <p:sldId id="349" r:id="rId10"/>
-    <p:sldId id="335" r:id="rId11"/>
+    <p:sldId id="357" r:id="rId10"/>
+    <p:sldId id="358" r:id="rId11"/>
+    <p:sldId id="349" r:id="rId12"/>
+    <p:sldId id="335" r:id="rId13"/>
   </p:sldIdLst>
   <p:sldSz cx="12192000" cy="6858000"/>
   <p:notesSz cx="6858000" cy="9144000"/>
@@ -329,7 +331,7 @@
             <a:pPr rtl="0"/>
             <a:fld id="{682C0B10-7CAE-41E4-AB02-7E8B1FF2B898}" type="slidenum">
               <a:rPr lang="es-ES" smtClean="0"/>
-              <a:t>‹Nº›</a:t>
+              <a:t>‹#›</a:t>
             </a:fld>
             <a:endParaRPr lang="es-ES"/>
           </a:p>
@@ -592,7 +594,7 @@
             <a:pPr rtl="0"/>
             <a:fld id="{8530193B-564F-4854-8A52-728F3FB19C85}" type="slidenum">
               <a:rPr lang="es-ES" noProof="0" smtClean="0"/>
-              <a:t>‹Nº›</a:t>
+              <a:t>‹#›</a:t>
             </a:fld>
             <a:endParaRPr lang="es-ES" noProof="0"/>
           </a:p>
@@ -988,7 +990,7 @@
             <a:pPr rtl="0"/>
             <a:fld id="{8530193B-564F-4854-8A52-728F3FB19C85}" type="slidenum">
               <a:rPr lang="es-ES" noProof="0" smtClean="0"/>
-              <a:t>6</a:t>
+              <a:t>8</a:t>
             </a:fld>
             <a:endParaRPr lang="es-ES" noProof="0"/>
           </a:p>
@@ -1098,7 +1100,7 @@
             <a:pPr rtl="0"/>
             <a:fld id="{8530193B-564F-4854-8A52-728F3FB19C85}" type="slidenum">
               <a:rPr lang="es-ES" smtClean="0"/>
-              <a:t>7</a:t>
+              <a:t>9</a:t>
             </a:fld>
             <a:endParaRPr lang="es-ES"/>
           </a:p>
@@ -8180,7 +8182,7 @@
                 </a:solidFill>
               </a:rPr>
               <a:pPr algn="r" rtl="0"/>
-              <a:t>‹Nº›</a:t>
+              <a:t>‹#›</a:t>
             </a:fld>
             <a:endParaRPr lang="es-ES" sz="1100" noProof="0">
               <a:solidFill>
@@ -10646,6 +10648,712 @@
         <p:cNvPr id="1" name="">
           <a:extLst>
             <a:ext uri="{FF2B5EF4-FFF2-40B4-BE49-F238E27FC236}">
+              <a16:creationId xmlns:a16="http://schemas.microsoft.com/office/drawing/2014/main" id="{2122DA3C-6319-0E9E-C653-C4A5E5E6A806}"/>
+            </a:ext>
+          </a:extLst>
+        </p:cNvPr>
+        <p:cNvGrpSpPr/>
+        <p:nvPr/>
+      </p:nvGrpSpPr>
+      <p:grpSpPr>
+        <a:xfrm>
+          <a:off x="0" y="0"/>
+          <a:ext cx="0" cy="0"/>
+          <a:chOff x="0" y="0"/>
+          <a:chExt cx="0" cy="0"/>
+        </a:xfrm>
+      </p:grpSpPr>
+      <p:sp>
+        <p:nvSpPr>
+          <p:cNvPr id="5" name="Rectángulo 4">
+            <a:extLst>
+              <a:ext uri="{FF2B5EF4-FFF2-40B4-BE49-F238E27FC236}">
+                <a16:creationId xmlns:a16="http://schemas.microsoft.com/office/drawing/2014/main" id="{882A1661-D4E8-303B-BA24-F14D615D13C4}"/>
+              </a:ext>
+            </a:extLst>
+          </p:cNvPr>
+          <p:cNvSpPr/>
+          <p:nvPr/>
+        </p:nvSpPr>
+        <p:spPr>
+          <a:xfrm>
+            <a:off x="0" y="6400800"/>
+            <a:ext cx="2557670" cy="457200"/>
+          </a:xfrm>
+          <a:prstGeom prst="rect">
+            <a:avLst/>
+          </a:prstGeom>
+          <a:solidFill>
+            <a:schemeClr val="bg1">
+              <a:lumMod val="95000"/>
+            </a:schemeClr>
+          </a:solidFill>
+          <a:ln>
+            <a:noFill/>
+          </a:ln>
+        </p:spPr>
+        <p:style>
+          <a:lnRef idx="2">
+            <a:schemeClr val="accent1">
+              <a:shade val="50000"/>
+            </a:schemeClr>
+          </a:lnRef>
+          <a:fillRef idx="1">
+            <a:schemeClr val="accent1"/>
+          </a:fillRef>
+          <a:effectRef idx="0">
+            <a:schemeClr val="accent1"/>
+          </a:effectRef>
+          <a:fontRef idx="minor">
+            <a:schemeClr val="lt1"/>
+          </a:fontRef>
+        </p:style>
+        <p:txBody>
+          <a:bodyPr rtlCol="0" anchor="ctr"/>
+          <a:lstStyle/>
+          <a:p>
+            <a:pPr algn="ctr"/>
+            <a:endParaRPr lang="es-ES"/>
+          </a:p>
+        </p:txBody>
+      </p:sp>
+      <p:sp>
+        <p:nvSpPr>
+          <p:cNvPr id="9" name="QuadreDeText 3">
+            <a:extLst>
+              <a:ext uri="{FF2B5EF4-FFF2-40B4-BE49-F238E27FC236}">
+                <a16:creationId xmlns:a16="http://schemas.microsoft.com/office/drawing/2014/main" id="{E3C7FFE1-A797-62BF-BC16-BAA12271AC8E}"/>
+              </a:ext>
+            </a:extLst>
+          </p:cNvPr>
+          <p:cNvSpPr txBox="1"/>
+          <p:nvPr/>
+        </p:nvSpPr>
+        <p:spPr>
+          <a:xfrm>
+            <a:off x="505958" y="250347"/>
+            <a:ext cx="11230211" cy="461665"/>
+          </a:xfrm>
+          <a:prstGeom prst="rect">
+            <a:avLst/>
+          </a:prstGeom>
+          <a:noFill/>
+        </p:spPr>
+        <p:txBody>
+          <a:bodyPr wrap="square">
+            <a:spAutoFit/>
+          </a:bodyPr>
+          <a:lstStyle/>
+          <a:p>
+            <a:r>
+              <a:rPr lang="es-ES" sz="2400" b="1" dirty="0">
+                <a:solidFill>
+                  <a:schemeClr val="accent3">
+                    <a:lumMod val="50000"/>
+                  </a:schemeClr>
+                </a:solidFill>
+                <a:effectLst/>
+                <a:latin typeface="+mj-lt"/>
+              </a:rPr>
+              <a:t>Tasa de Conversión por Cuartil de Edad y Tipo de Contacto</a:t>
+            </a:r>
+            <a:endParaRPr lang="es-ES" sz="2400" b="1" i="1" dirty="0">
+              <a:solidFill>
+                <a:schemeClr val="accent3">
+                  <a:lumMod val="50000"/>
+                </a:schemeClr>
+              </a:solidFill>
+              <a:effectLst/>
+              <a:latin typeface="+mj-lt"/>
+            </a:endParaRPr>
+          </a:p>
+        </p:txBody>
+      </p:sp>
+      <p:sp>
+        <p:nvSpPr>
+          <p:cNvPr id="8" name="QuadreDeText 16">
+            <a:extLst>
+              <a:ext uri="{FF2B5EF4-FFF2-40B4-BE49-F238E27FC236}">
+                <a16:creationId xmlns:a16="http://schemas.microsoft.com/office/drawing/2014/main" id="{A35D8D08-73A8-4B79-4525-ACDE3CACF457}"/>
+              </a:ext>
+            </a:extLst>
+          </p:cNvPr>
+          <p:cNvSpPr txBox="1"/>
+          <p:nvPr/>
+        </p:nvSpPr>
+        <p:spPr>
+          <a:xfrm>
+            <a:off x="9310293" y="948886"/>
+            <a:ext cx="2506502" cy="1038582"/>
+          </a:xfrm>
+          <a:prstGeom prst="roundRect">
+            <a:avLst/>
+          </a:prstGeom>
+          <a:solidFill>
+            <a:schemeClr val="accent5">
+              <a:lumMod val="25000"/>
+              <a:lumOff val="75000"/>
+            </a:schemeClr>
+          </a:solidFill>
+          <a:ln>
+            <a:solidFill>
+              <a:schemeClr val="bg1"/>
+            </a:solidFill>
+          </a:ln>
+        </p:spPr>
+        <p:txBody>
+          <a:bodyPr wrap="square">
+            <a:spAutoFit/>
+          </a:bodyPr>
+          <a:lstStyle/>
+          <a:p>
+            <a:pPr>
+              <a:buFont typeface="Arial" panose="020B0604020202020204" pitchFamily="34" charset="0"/>
+              <a:buChar char="•"/>
+            </a:pPr>
+            <a:r>
+              <a:rPr lang="es-ES" sz="1400" dirty="0"/>
+              <a:t>El contacto celular es más efectivo que el contacto telefónico o desconocido. </a:t>
+            </a:r>
+          </a:p>
+          <a:p>
+            <a:endParaRPr lang="es-ES" sz="1300" dirty="0"/>
+          </a:p>
+        </p:txBody>
+      </p:sp>
+      <p:sp>
+        <p:nvSpPr>
+          <p:cNvPr id="11" name="QuadreDeText 16">
+            <a:extLst>
+              <a:ext uri="{FF2B5EF4-FFF2-40B4-BE49-F238E27FC236}">
+                <a16:creationId xmlns:a16="http://schemas.microsoft.com/office/drawing/2014/main" id="{5A904658-11A2-903C-C8F4-05F7A988430D}"/>
+              </a:ext>
+            </a:extLst>
+          </p:cNvPr>
+          <p:cNvSpPr txBox="1"/>
+          <p:nvPr/>
+        </p:nvSpPr>
+        <p:spPr>
+          <a:xfrm>
+            <a:off x="9310291" y="2365878"/>
+            <a:ext cx="2506503" cy="2162294"/>
+          </a:xfrm>
+          <a:prstGeom prst="roundRect">
+            <a:avLst/>
+          </a:prstGeom>
+          <a:solidFill>
+            <a:schemeClr val="accent5">
+              <a:lumMod val="25000"/>
+              <a:lumOff val="75000"/>
+            </a:schemeClr>
+          </a:solidFill>
+          <a:ln>
+            <a:solidFill>
+              <a:schemeClr val="bg1"/>
+            </a:solidFill>
+          </a:ln>
+        </p:spPr>
+        <p:txBody>
+          <a:bodyPr wrap="square">
+            <a:spAutoFit/>
+          </a:bodyPr>
+          <a:lstStyle/>
+          <a:p>
+            <a:pPr marL="171450" indent="-171450">
+              <a:buFont typeface="Arial" panose="020B0604020202020204" pitchFamily="34" charset="0"/>
+              <a:buChar char="•"/>
+            </a:pPr>
+            <a:r>
+              <a:rPr lang="es-ES" sz="1200" dirty="0"/>
+              <a:t>Los clientes mayores (Q4) tienen una probabilidad significativamente mayor de contratar un depósito en comparación con los más jóvenes (Q1). Sin embargo, los clientes de mediana edad (Q3) tienen una menor probabilidad de conversión.</a:t>
+            </a:r>
+          </a:p>
+          <a:p>
+            <a:endParaRPr lang="es-ES" sz="1300" dirty="0"/>
+          </a:p>
+        </p:txBody>
+      </p:sp>
+      <p:sp>
+        <p:nvSpPr>
+          <p:cNvPr id="14" name="QuadreDeText 16">
+            <a:extLst>
+              <a:ext uri="{FF2B5EF4-FFF2-40B4-BE49-F238E27FC236}">
+                <a16:creationId xmlns:a16="http://schemas.microsoft.com/office/drawing/2014/main" id="{65C05A16-0C5E-40E7-234D-8D6111594B31}"/>
+              </a:ext>
+            </a:extLst>
+          </p:cNvPr>
+          <p:cNvSpPr txBox="1"/>
+          <p:nvPr/>
+        </p:nvSpPr>
+        <p:spPr>
+          <a:xfrm>
+            <a:off x="9437014" y="4925552"/>
+            <a:ext cx="2253058" cy="323493"/>
+          </a:xfrm>
+          <a:prstGeom prst="roundRect">
+            <a:avLst/>
+          </a:prstGeom>
+          <a:solidFill>
+            <a:schemeClr val="accent5">
+              <a:lumMod val="25000"/>
+              <a:lumOff val="75000"/>
+            </a:schemeClr>
+          </a:solidFill>
+          <a:ln>
+            <a:solidFill>
+              <a:schemeClr val="bg1"/>
+            </a:solidFill>
+          </a:ln>
+        </p:spPr>
+        <p:txBody>
+          <a:bodyPr wrap="square">
+            <a:spAutoFit/>
+          </a:bodyPr>
+          <a:lstStyle/>
+          <a:p>
+            <a:endParaRPr lang="es-ES" sz="1300" dirty="0"/>
+          </a:p>
+        </p:txBody>
+      </p:sp>
+      <p:pic>
+        <p:nvPicPr>
+          <p:cNvPr id="6" name="Picture 5">
+            <a:extLst>
+              <a:ext uri="{FF2B5EF4-FFF2-40B4-BE49-F238E27FC236}">
+                <a16:creationId xmlns:a16="http://schemas.microsoft.com/office/drawing/2014/main" id="{A0634202-0B62-4993-B1A0-8B36EBDF8445}"/>
+              </a:ext>
+            </a:extLst>
+          </p:cNvPr>
+          <p:cNvPicPr>
+            <a:picLocks noChangeAspect="1"/>
+          </p:cNvPicPr>
+          <p:nvPr/>
+        </p:nvPicPr>
+        <p:blipFill>
+          <a:blip r:embed="rId2"/>
+          <a:stretch>
+            <a:fillRect/>
+          </a:stretch>
+        </p:blipFill>
+        <p:spPr>
+          <a:xfrm>
+            <a:off x="828619" y="832298"/>
+            <a:ext cx="7431461" cy="5775355"/>
+          </a:xfrm>
+          <a:prstGeom prst="rect">
+            <a:avLst/>
+          </a:prstGeom>
+        </p:spPr>
+      </p:pic>
+    </p:spTree>
+    <p:extLst>
+      <p:ext uri="{BB962C8B-B14F-4D97-AF65-F5344CB8AC3E}">
+        <p14:creationId xmlns:p14="http://schemas.microsoft.com/office/powerpoint/2010/main" val="748986846"/>
+      </p:ext>
+    </p:extLst>
+  </p:cSld>
+  <p:clrMapOvr>
+    <a:masterClrMapping/>
+  </p:clrMapOvr>
+</p:sld>
+</file>
+
+<file path=ppt/slides/slide7.xml><?xml version="1.0" encoding="utf-8"?>
+<p:sld xmlns:a="http://schemas.openxmlformats.org/drawingml/2006/main" xmlns:r="http://schemas.openxmlformats.org/officeDocument/2006/relationships" xmlns:p="http://schemas.openxmlformats.org/presentationml/2006/main">
+  <p:cSld>
+    <p:spTree>
+      <p:nvGrpSpPr>
+        <p:cNvPr id="1" name="">
+          <a:extLst>
+            <a:ext uri="{FF2B5EF4-FFF2-40B4-BE49-F238E27FC236}">
+              <a16:creationId xmlns:a16="http://schemas.microsoft.com/office/drawing/2014/main" id="{2122DA3C-6319-0E9E-C653-C4A5E5E6A806}"/>
+            </a:ext>
+          </a:extLst>
+        </p:cNvPr>
+        <p:cNvGrpSpPr/>
+        <p:nvPr/>
+      </p:nvGrpSpPr>
+      <p:grpSpPr>
+        <a:xfrm>
+          <a:off x="0" y="0"/>
+          <a:ext cx="0" cy="0"/>
+          <a:chOff x="0" y="0"/>
+          <a:chExt cx="0" cy="0"/>
+        </a:xfrm>
+      </p:grpSpPr>
+      <p:sp>
+        <p:nvSpPr>
+          <p:cNvPr id="5" name="Rectángulo 4">
+            <a:extLst>
+              <a:ext uri="{FF2B5EF4-FFF2-40B4-BE49-F238E27FC236}">
+                <a16:creationId xmlns:a16="http://schemas.microsoft.com/office/drawing/2014/main" id="{882A1661-D4E8-303B-BA24-F14D615D13C4}"/>
+              </a:ext>
+            </a:extLst>
+          </p:cNvPr>
+          <p:cNvSpPr/>
+          <p:nvPr/>
+        </p:nvSpPr>
+        <p:spPr>
+          <a:xfrm>
+            <a:off x="0" y="6400800"/>
+            <a:ext cx="2557670" cy="457200"/>
+          </a:xfrm>
+          <a:prstGeom prst="rect">
+            <a:avLst/>
+          </a:prstGeom>
+          <a:solidFill>
+            <a:schemeClr val="bg1">
+              <a:lumMod val="95000"/>
+            </a:schemeClr>
+          </a:solidFill>
+          <a:ln>
+            <a:noFill/>
+          </a:ln>
+        </p:spPr>
+        <p:style>
+          <a:lnRef idx="2">
+            <a:schemeClr val="accent1">
+              <a:shade val="50000"/>
+            </a:schemeClr>
+          </a:lnRef>
+          <a:fillRef idx="1">
+            <a:schemeClr val="accent1"/>
+          </a:fillRef>
+          <a:effectRef idx="0">
+            <a:schemeClr val="accent1"/>
+          </a:effectRef>
+          <a:fontRef idx="minor">
+            <a:schemeClr val="lt1"/>
+          </a:fontRef>
+        </p:style>
+        <p:txBody>
+          <a:bodyPr rtlCol="0" anchor="ctr"/>
+          <a:lstStyle/>
+          <a:p>
+            <a:pPr algn="ctr"/>
+            <a:endParaRPr lang="es-ES"/>
+          </a:p>
+        </p:txBody>
+      </p:sp>
+      <p:sp>
+        <p:nvSpPr>
+          <p:cNvPr id="9" name="QuadreDeText 3">
+            <a:extLst>
+              <a:ext uri="{FF2B5EF4-FFF2-40B4-BE49-F238E27FC236}">
+                <a16:creationId xmlns:a16="http://schemas.microsoft.com/office/drawing/2014/main" id="{E3C7FFE1-A797-62BF-BC16-BAA12271AC8E}"/>
+              </a:ext>
+            </a:extLst>
+          </p:cNvPr>
+          <p:cNvSpPr txBox="1"/>
+          <p:nvPr/>
+        </p:nvSpPr>
+        <p:spPr>
+          <a:xfrm>
+            <a:off x="505958" y="250347"/>
+            <a:ext cx="11230211" cy="461665"/>
+          </a:xfrm>
+          <a:prstGeom prst="rect">
+            <a:avLst/>
+          </a:prstGeom>
+          <a:noFill/>
+        </p:spPr>
+        <p:txBody>
+          <a:bodyPr wrap="square">
+            <a:spAutoFit/>
+          </a:bodyPr>
+          <a:lstStyle/>
+          <a:p>
+            <a:r>
+              <a:rPr lang="es-ES" sz="2400" b="1" dirty="0">
+                <a:solidFill>
+                  <a:schemeClr val="accent3">
+                    <a:lumMod val="50000"/>
+                  </a:schemeClr>
+                </a:solidFill>
+                <a:effectLst/>
+                <a:latin typeface="+mj-lt"/>
+              </a:rPr>
+              <a:t>Duración Media de la Llamada por Cuartil de Edad y Tipo de Contacto</a:t>
+            </a:r>
+            <a:endParaRPr lang="es-ES" sz="2400" b="1" i="1" dirty="0">
+              <a:solidFill>
+                <a:schemeClr val="accent3">
+                  <a:lumMod val="50000"/>
+                </a:schemeClr>
+              </a:solidFill>
+              <a:effectLst/>
+              <a:latin typeface="+mj-lt"/>
+            </a:endParaRPr>
+          </a:p>
+        </p:txBody>
+      </p:sp>
+      <p:sp>
+        <p:nvSpPr>
+          <p:cNvPr id="8" name="QuadreDeText 16">
+            <a:extLst>
+              <a:ext uri="{FF2B5EF4-FFF2-40B4-BE49-F238E27FC236}">
+                <a16:creationId xmlns:a16="http://schemas.microsoft.com/office/drawing/2014/main" id="{A35D8D08-73A8-4B79-4525-ACDE3CACF457}"/>
+              </a:ext>
+            </a:extLst>
+          </p:cNvPr>
+          <p:cNvSpPr txBox="1"/>
+          <p:nvPr/>
+        </p:nvSpPr>
+        <p:spPr>
+          <a:xfrm>
+            <a:off x="9310292" y="948886"/>
+            <a:ext cx="2648027" cy="1055608"/>
+          </a:xfrm>
+          <a:prstGeom prst="roundRect">
+            <a:avLst/>
+          </a:prstGeom>
+          <a:solidFill>
+            <a:schemeClr val="accent5">
+              <a:lumMod val="25000"/>
+              <a:lumOff val="75000"/>
+            </a:schemeClr>
+          </a:solidFill>
+          <a:ln>
+            <a:solidFill>
+              <a:schemeClr val="bg1"/>
+            </a:solidFill>
+          </a:ln>
+        </p:spPr>
+        <p:txBody>
+          <a:bodyPr wrap="square">
+            <a:spAutoFit/>
+          </a:bodyPr>
+          <a:lstStyle/>
+          <a:p>
+            <a:pPr>
+              <a:buFont typeface="Arial" panose="020B0604020202020204" pitchFamily="34" charset="0"/>
+              <a:buChar char="•"/>
+            </a:pPr>
+            <a:r>
+              <a:rPr lang="es-ES" sz="1400" b="1" dirty="0"/>
+              <a:t>Clientes jóvenes (18-39 años):</a:t>
+            </a:r>
+            <a:r>
+              <a:rPr lang="es-ES" sz="1400" dirty="0"/>
+              <a:t> Priorizar el contacto móvil, ya que las llamadas son más largas y probablemente más efectivas.</a:t>
+            </a:r>
+            <a:endParaRPr lang="es-ES" sz="1300" dirty="0"/>
+          </a:p>
+        </p:txBody>
+      </p:sp>
+      <p:sp>
+        <p:nvSpPr>
+          <p:cNvPr id="11" name="QuadreDeText 16">
+            <a:extLst>
+              <a:ext uri="{FF2B5EF4-FFF2-40B4-BE49-F238E27FC236}">
+                <a16:creationId xmlns:a16="http://schemas.microsoft.com/office/drawing/2014/main" id="{5A904658-11A2-903C-C8F4-05F7A988430D}"/>
+              </a:ext>
+            </a:extLst>
+          </p:cNvPr>
+          <p:cNvSpPr txBox="1"/>
+          <p:nvPr/>
+        </p:nvSpPr>
+        <p:spPr>
+          <a:xfrm>
+            <a:off x="9310291" y="2365878"/>
+            <a:ext cx="2506503" cy="1123712"/>
+          </a:xfrm>
+          <a:prstGeom prst="roundRect">
+            <a:avLst/>
+          </a:prstGeom>
+          <a:solidFill>
+            <a:schemeClr val="accent5">
+              <a:lumMod val="25000"/>
+              <a:lumOff val="75000"/>
+            </a:schemeClr>
+          </a:solidFill>
+          <a:ln>
+            <a:solidFill>
+              <a:schemeClr val="bg1"/>
+            </a:solidFill>
+          </a:ln>
+        </p:spPr>
+        <p:txBody>
+          <a:bodyPr wrap="square">
+            <a:spAutoFit/>
+          </a:bodyPr>
+          <a:lstStyle/>
+          <a:p>
+            <a:pPr marL="171450" indent="-171450">
+              <a:buFont typeface="Arial" panose="020B0604020202020204" pitchFamily="34" charset="0"/>
+              <a:buChar char="•"/>
+            </a:pPr>
+            <a:r>
+              <a:rPr lang="es-ES" sz="1200" b="1" dirty="0"/>
+              <a:t>Clientes mayores (50+ años):</a:t>
+            </a:r>
+            <a:r>
+              <a:rPr lang="es-ES" sz="1200" dirty="0"/>
+              <a:t> Favorecer el contacto telefónico, donde las conversaciones tienden a ser más largas.</a:t>
+            </a:r>
+            <a:endParaRPr lang="es-ES" sz="1300" dirty="0"/>
+          </a:p>
+        </p:txBody>
+      </p:sp>
+      <p:sp>
+        <p:nvSpPr>
+          <p:cNvPr id="14" name="QuadreDeText 16">
+            <a:extLst>
+              <a:ext uri="{FF2B5EF4-FFF2-40B4-BE49-F238E27FC236}">
+                <a16:creationId xmlns:a16="http://schemas.microsoft.com/office/drawing/2014/main" id="{65C05A16-0C5E-40E7-234D-8D6111594B31}"/>
+              </a:ext>
+            </a:extLst>
+          </p:cNvPr>
+          <p:cNvSpPr txBox="1"/>
+          <p:nvPr/>
+        </p:nvSpPr>
+        <p:spPr>
+          <a:xfrm>
+            <a:off x="9310291" y="3658360"/>
+            <a:ext cx="2253058" cy="1055608"/>
+          </a:xfrm>
+          <a:prstGeom prst="roundRect">
+            <a:avLst/>
+          </a:prstGeom>
+          <a:solidFill>
+            <a:schemeClr val="accent5">
+              <a:lumMod val="25000"/>
+              <a:lumOff val="75000"/>
+            </a:schemeClr>
+          </a:solidFill>
+          <a:ln>
+            <a:solidFill>
+              <a:schemeClr val="bg1"/>
+            </a:solidFill>
+          </a:ln>
+        </p:spPr>
+        <p:txBody>
+          <a:bodyPr wrap="square">
+            <a:spAutoFit/>
+          </a:bodyPr>
+          <a:lstStyle/>
+          <a:p>
+            <a:r>
+              <a:rPr lang="es-ES" sz="1400" b="1" dirty="0"/>
+              <a:t>Evitar el contacto "</a:t>
+            </a:r>
+            <a:r>
+              <a:rPr lang="es-ES" sz="1400" b="1" dirty="0" err="1"/>
+              <a:t>unknown</a:t>
+            </a:r>
+            <a:r>
+              <a:rPr lang="es-ES" sz="1400" b="1" dirty="0"/>
+              <a:t>":</a:t>
+            </a:r>
+            <a:r>
+              <a:rPr lang="es-ES" sz="1400" dirty="0"/>
+              <a:t> Muestra una efectividad inconsistente en varios grupos de edad.</a:t>
+            </a:r>
+            <a:endParaRPr lang="es-ES" sz="1300" dirty="0"/>
+          </a:p>
+        </p:txBody>
+      </p:sp>
+      <p:pic>
+        <p:nvPicPr>
+          <p:cNvPr id="3" name="Picture 2">
+            <a:extLst>
+              <a:ext uri="{FF2B5EF4-FFF2-40B4-BE49-F238E27FC236}">
+                <a16:creationId xmlns:a16="http://schemas.microsoft.com/office/drawing/2014/main" id="{5154F511-574B-4BCB-869B-32C1B260441A}"/>
+              </a:ext>
+            </a:extLst>
+          </p:cNvPr>
+          <p:cNvPicPr>
+            <a:picLocks noChangeAspect="1"/>
+          </p:cNvPicPr>
+          <p:nvPr/>
+        </p:nvPicPr>
+        <p:blipFill>
+          <a:blip r:embed="rId2"/>
+          <a:stretch>
+            <a:fillRect/>
+          </a:stretch>
+        </p:blipFill>
+        <p:spPr>
+          <a:xfrm>
+            <a:off x="639365" y="712012"/>
+            <a:ext cx="8005555" cy="5940156"/>
+          </a:xfrm>
+          <a:prstGeom prst="rect">
+            <a:avLst/>
+          </a:prstGeom>
+        </p:spPr>
+      </p:pic>
+      <p:sp>
+        <p:nvSpPr>
+          <p:cNvPr id="12" name="QuadreDeText 16">
+            <a:extLst>
+              <a:ext uri="{FF2B5EF4-FFF2-40B4-BE49-F238E27FC236}">
+                <a16:creationId xmlns:a16="http://schemas.microsoft.com/office/drawing/2014/main" id="{D9D14259-6AC5-4A23-8868-B9C97E794FCF}"/>
+              </a:ext>
+            </a:extLst>
+          </p:cNvPr>
+          <p:cNvSpPr txBox="1"/>
+          <p:nvPr/>
+        </p:nvSpPr>
+        <p:spPr>
+          <a:xfrm>
+            <a:off x="9310291" y="4882738"/>
+            <a:ext cx="2253058" cy="1770698"/>
+          </a:xfrm>
+          <a:prstGeom prst="roundRect">
+            <a:avLst/>
+          </a:prstGeom>
+          <a:solidFill>
+            <a:schemeClr val="accent5">
+              <a:lumMod val="25000"/>
+              <a:lumOff val="75000"/>
+            </a:schemeClr>
+          </a:solidFill>
+          <a:ln>
+            <a:solidFill>
+              <a:schemeClr val="bg1"/>
+            </a:solidFill>
+          </a:ln>
+        </p:spPr>
+        <p:txBody>
+          <a:bodyPr wrap="square">
+            <a:spAutoFit/>
+          </a:bodyPr>
+          <a:lstStyle/>
+          <a:p>
+            <a:r>
+              <a:rPr lang="es-ES" sz="1400" b="1" dirty="0"/>
+              <a:t>Clientes de mediana edad (40-49 años):</a:t>
+            </a:r>
+            <a:r>
+              <a:rPr lang="es-ES" sz="1400" dirty="0"/>
+              <a:t> Las llamadas móviles son significativamente más largas que las telefónicas, lo que sugiere una mayor efectividad en este canal.</a:t>
+            </a:r>
+            <a:endParaRPr lang="es-ES" sz="1300" dirty="0"/>
+          </a:p>
+        </p:txBody>
+      </p:sp>
+    </p:spTree>
+    <p:extLst>
+      <p:ext uri="{BB962C8B-B14F-4D97-AF65-F5344CB8AC3E}">
+        <p14:creationId xmlns:p14="http://schemas.microsoft.com/office/powerpoint/2010/main" val="837718583"/>
+      </p:ext>
+    </p:extLst>
+  </p:cSld>
+  <p:clrMapOvr>
+    <a:masterClrMapping/>
+  </p:clrMapOvr>
+</p:sld>
+</file>
+
+<file path=ppt/slides/slide8.xml><?xml version="1.0" encoding="utf-8"?>
+<p:sld xmlns:a="http://schemas.openxmlformats.org/drawingml/2006/main" xmlns:r="http://schemas.openxmlformats.org/officeDocument/2006/relationships" xmlns:p="http://schemas.openxmlformats.org/presentationml/2006/main">
+  <p:cSld>
+    <p:spTree>
+      <p:nvGrpSpPr>
+        <p:cNvPr id="1" name="">
+          <a:extLst>
+            <a:ext uri="{FF2B5EF4-FFF2-40B4-BE49-F238E27FC236}">
               <a16:creationId xmlns:a16="http://schemas.microsoft.com/office/drawing/2014/main" id="{2E8AFFAE-1245-19B5-3C60-58AC8A5EA54D}"/>
             </a:ext>
           </a:extLst>
@@ -11240,7 +11948,7 @@
 </p:sld>
 </file>
 
-<file path=ppt/slides/slide7.xml><?xml version="1.0" encoding="utf-8"?>
+<file path=ppt/slides/slide9.xml><?xml version="1.0" encoding="utf-8"?>
 <p:sld xmlns:a="http://schemas.openxmlformats.org/drawingml/2006/main" xmlns:r="http://schemas.openxmlformats.org/officeDocument/2006/relationships" xmlns:p="http://schemas.openxmlformats.org/presentationml/2006/main">
   <p:cSld>
     <p:bg>
@@ -12635,6 +13343,24 @@
 </file>
 
 <file path=customXml/item1.xml><?xml version="1.0" encoding="utf-8"?>
+<p:properties xmlns:p="http://schemas.microsoft.com/office/2006/metadata/properties" xmlns:xsi="http://www.w3.org/2001/XMLSchema-instance" xmlns:pc="http://schemas.microsoft.com/office/infopath/2007/PartnerControls">
+  <documentManagement>
+    <Status xmlns="71af3243-3dd4-4a8d-8c0d-dd76da1f02a5">Not started</Status>
+    <MediaServiceKeyPoints xmlns="71af3243-3dd4-4a8d-8c0d-dd76da1f02a5" xsi:nil="true"/>
+  </documentManagement>
+</p:properties>
+</file>
+
+<file path=customXml/item2.xml><?xml version="1.0" encoding="utf-8"?>
+<?mso-contentType ?>
+<FormTemplates xmlns="http://schemas.microsoft.com/sharepoint/v3/contenttype/forms">
+  <Display>DocumentLibraryForm</Display>
+  <Edit>DocumentLibraryForm</Edit>
+  <New>DocumentLibraryForm</New>
+</FormTemplates>
+</file>
+
+<file path=customXml/item3.xml><?xml version="1.0" encoding="utf-8"?>
 <ct:contentTypeSchema xmlns:ct="http://schemas.microsoft.com/office/2006/metadata/contentType" xmlns:ma="http://schemas.microsoft.com/office/2006/metadata/properties/metaAttributes" ct:_="" ma:_="" ma:contentTypeName="Document" ma:contentTypeID="0x01010079F111ED35F8CC479449609E8A0923A6" ma:contentTypeVersion="12" ma:contentTypeDescription="Create a new document." ma:contentTypeScope="" ma:versionID="426e97fa315356fffbdcd9876fe988c2">
   <xsd:schema xmlns:xsd="http://www.w3.org/2001/XMLSchema" xmlns:xs="http://www.w3.org/2001/XMLSchema" xmlns:p="http://schemas.microsoft.com/office/2006/metadata/properties" xmlns:ns2="71af3243-3dd4-4a8d-8c0d-dd76da1f02a5" xmlns:ns3="16c05727-aa75-4e4a-9b5f-8a80a1165891" targetNamespace="http://schemas.microsoft.com/office/2006/metadata/properties" ma:root="true" ma:fieldsID="14b8f0def80e6d70ce3def20c90759ae" ns2:_="" ns3:_="">
     <xsd:import namespace="71af3243-3dd4-4a8d-8c0d-dd76da1f02a5"/>
@@ -12855,25 +13581,25 @@
 </ct:contentTypeSchema>
 </file>
 
-<file path=customXml/item2.xml><?xml version="1.0" encoding="utf-8"?>
-<?mso-contentType ?>
-<FormTemplates xmlns="http://schemas.microsoft.com/sharepoint/v3/contenttype/forms">
-  <Display>DocumentLibraryForm</Display>
-  <Edit>DocumentLibraryForm</Edit>
-  <New>DocumentLibraryForm</New>
-</FormTemplates>
+<file path=customXml/itemProps1.xml><?xml version="1.0" encoding="utf-8"?>
+<ds:datastoreItem xmlns:ds="http://schemas.openxmlformats.org/officeDocument/2006/customXml" ds:itemID="{4DEA9014-ED64-4558-B1E1-D03F0EE32BEB}">
+  <ds:schemaRefs>
+    <ds:schemaRef ds:uri="http://schemas.microsoft.com/office/2006/metadata/properties"/>
+    <ds:schemaRef ds:uri="http://schemas.microsoft.com/office/infopath/2007/PartnerControls"/>
+    <ds:schemaRef ds:uri="71af3243-3dd4-4a8d-8c0d-dd76da1f02a5"/>
+  </ds:schemaRefs>
+</ds:datastoreItem>
 </file>
 
-<file path=customXml/item3.xml><?xml version="1.0" encoding="utf-8"?>
-<p:properties xmlns:p="http://schemas.microsoft.com/office/2006/metadata/properties" xmlns:xsi="http://www.w3.org/2001/XMLSchema-instance" xmlns:pc="http://schemas.microsoft.com/office/infopath/2007/PartnerControls">
-  <documentManagement>
-    <Status xmlns="71af3243-3dd4-4a8d-8c0d-dd76da1f02a5">Not started</Status>
-    <MediaServiceKeyPoints xmlns="71af3243-3dd4-4a8d-8c0d-dd76da1f02a5" xsi:nil="true"/>
-  </documentManagement>
-</p:properties>
+<file path=customXml/itemProps2.xml><?xml version="1.0" encoding="utf-8"?>
+<ds:datastoreItem xmlns:ds="http://schemas.openxmlformats.org/officeDocument/2006/customXml" ds:itemID="{05D99ABA-76CE-4A8E-B5F0-C051B96628DE}">
+  <ds:schemaRefs>
+    <ds:schemaRef ds:uri="http://schemas.microsoft.com/sharepoint/v3/contenttype/forms"/>
+  </ds:schemaRefs>
+</ds:datastoreItem>
 </file>
 
-<file path=customXml/itemProps1.xml><?xml version="1.0" encoding="utf-8"?>
+<file path=customXml/itemProps3.xml><?xml version="1.0" encoding="utf-8"?>
 <ds:datastoreItem xmlns:ds="http://schemas.openxmlformats.org/officeDocument/2006/customXml" ds:itemID="{B19EB750-A6DA-4BE8-B87B-FC499FE73360}">
   <ds:schemaRefs>
     <ds:schemaRef ds:uri="http://schemas.microsoft.com/office/2006/metadata/contentType"/>
@@ -12890,22 +13616,4 @@
     <ds:schemaRef ds:uri="http://schemas.microsoft.com/internal/obd"/>
   </ds:schemaRefs>
 </ds:datastoreItem>
-</file>
-
-<file path=customXml/itemProps2.xml><?xml version="1.0" encoding="utf-8"?>
-<ds:datastoreItem xmlns:ds="http://schemas.openxmlformats.org/officeDocument/2006/customXml" ds:itemID="{05D99ABA-76CE-4A8E-B5F0-C051B96628DE}">
-  <ds:schemaRefs>
-    <ds:schemaRef ds:uri="http://schemas.microsoft.com/sharepoint/v3/contenttype/forms"/>
-  </ds:schemaRefs>
-</ds:datastoreItem>
-</file>
-
-<file path=customXml/itemProps3.xml><?xml version="1.0" encoding="utf-8"?>
-<ds:datastoreItem xmlns:ds="http://schemas.openxmlformats.org/officeDocument/2006/customXml" ds:itemID="{4DEA9014-ED64-4558-B1E1-D03F0EE32BEB}">
-  <ds:schemaRefs>
-    <ds:schemaRef ds:uri="http://schemas.microsoft.com/office/2006/metadata/properties"/>
-    <ds:schemaRef ds:uri="http://schemas.microsoft.com/office/infopath/2007/PartnerControls"/>
-    <ds:schemaRef ds:uri="71af3243-3dd4-4a8d-8c0d-dd76da1f02a5"/>
-  </ds:schemaRefs>
-</ds:datastoreItem>
 </file>